--- a/JC.pptx
+++ b/JC.pptx
@@ -244,7 +244,7 @@
           <a:p>
             <a:fld id="{FEDB2B4C-DA28-410A-BE00-4AED541FE898}" type="datetimeFigureOut">
               <a:rPr lang="es-MX" smtClean="0"/>
-              <a:t>11/03/2024</a:t>
+              <a:t>12/03/2024</a:t>
             </a:fld>
             <a:endParaRPr lang="es-MX"/>
           </a:p>
@@ -414,7 +414,7 @@
           <a:p>
             <a:fld id="{FEDB2B4C-DA28-410A-BE00-4AED541FE898}" type="datetimeFigureOut">
               <a:rPr lang="es-MX" smtClean="0"/>
-              <a:t>11/03/2024</a:t>
+              <a:t>12/03/2024</a:t>
             </a:fld>
             <a:endParaRPr lang="es-MX"/>
           </a:p>
@@ -594,7 +594,7 @@
           <a:p>
             <a:fld id="{FEDB2B4C-DA28-410A-BE00-4AED541FE898}" type="datetimeFigureOut">
               <a:rPr lang="es-MX" smtClean="0"/>
-              <a:t>11/03/2024</a:t>
+              <a:t>12/03/2024</a:t>
             </a:fld>
             <a:endParaRPr lang="es-MX"/>
           </a:p>
@@ -764,7 +764,7 @@
           <a:p>
             <a:fld id="{FEDB2B4C-DA28-410A-BE00-4AED541FE898}" type="datetimeFigureOut">
               <a:rPr lang="es-MX" smtClean="0"/>
-              <a:t>11/03/2024</a:t>
+              <a:t>12/03/2024</a:t>
             </a:fld>
             <a:endParaRPr lang="es-MX"/>
           </a:p>
@@ -1010,7 +1010,7 @@
           <a:p>
             <a:fld id="{FEDB2B4C-DA28-410A-BE00-4AED541FE898}" type="datetimeFigureOut">
               <a:rPr lang="es-MX" smtClean="0"/>
-              <a:t>11/03/2024</a:t>
+              <a:t>12/03/2024</a:t>
             </a:fld>
             <a:endParaRPr lang="es-MX"/>
           </a:p>
@@ -1242,7 +1242,7 @@
           <a:p>
             <a:fld id="{FEDB2B4C-DA28-410A-BE00-4AED541FE898}" type="datetimeFigureOut">
               <a:rPr lang="es-MX" smtClean="0"/>
-              <a:t>11/03/2024</a:t>
+              <a:t>12/03/2024</a:t>
             </a:fld>
             <a:endParaRPr lang="es-MX"/>
           </a:p>
@@ -1609,7 +1609,7 @@
           <a:p>
             <a:fld id="{FEDB2B4C-DA28-410A-BE00-4AED541FE898}" type="datetimeFigureOut">
               <a:rPr lang="es-MX" smtClean="0"/>
-              <a:t>11/03/2024</a:t>
+              <a:t>12/03/2024</a:t>
             </a:fld>
             <a:endParaRPr lang="es-MX"/>
           </a:p>
@@ -1727,7 +1727,7 @@
           <a:p>
             <a:fld id="{FEDB2B4C-DA28-410A-BE00-4AED541FE898}" type="datetimeFigureOut">
               <a:rPr lang="es-MX" smtClean="0"/>
-              <a:t>11/03/2024</a:t>
+              <a:t>12/03/2024</a:t>
             </a:fld>
             <a:endParaRPr lang="es-MX"/>
           </a:p>
@@ -1822,7 +1822,7 @@
           <a:p>
             <a:fld id="{FEDB2B4C-DA28-410A-BE00-4AED541FE898}" type="datetimeFigureOut">
               <a:rPr lang="es-MX" smtClean="0"/>
-              <a:t>11/03/2024</a:t>
+              <a:t>12/03/2024</a:t>
             </a:fld>
             <a:endParaRPr lang="es-MX"/>
           </a:p>
@@ -2099,7 +2099,7 @@
           <a:p>
             <a:fld id="{FEDB2B4C-DA28-410A-BE00-4AED541FE898}" type="datetimeFigureOut">
               <a:rPr lang="es-MX" smtClean="0"/>
-              <a:t>11/03/2024</a:t>
+              <a:t>12/03/2024</a:t>
             </a:fld>
             <a:endParaRPr lang="es-MX"/>
           </a:p>
@@ -2352,7 +2352,7 @@
           <a:p>
             <a:fld id="{FEDB2B4C-DA28-410A-BE00-4AED541FE898}" type="datetimeFigureOut">
               <a:rPr lang="es-MX" smtClean="0"/>
-              <a:t>11/03/2024</a:t>
+              <a:t>12/03/2024</a:t>
             </a:fld>
             <a:endParaRPr lang="es-MX"/>
           </a:p>
@@ -2565,7 +2565,7 @@
           <a:p>
             <a:fld id="{FEDB2B4C-DA28-410A-BE00-4AED541FE898}" type="datetimeFigureOut">
               <a:rPr lang="es-MX" smtClean="0"/>
-              <a:t>11/03/2024</a:t>
+              <a:t>12/03/2024</a:t>
             </a:fld>
             <a:endParaRPr lang="es-MX"/>
           </a:p>
@@ -3051,11 +3051,6 @@
               </a:rPr>
               <a:t> Peraza Cristian</a:t>
             </a:r>
-            <a:endParaRPr lang="es-MX" sz="9600" dirty="0" smtClean="0">
-              <a:solidFill>
-                <a:srgbClr val="FF0000"/>
-              </a:solidFill>
-            </a:endParaRPr>
           </a:p>
           <a:p>
             <a:pPr algn="l"/>
@@ -3099,11 +3094,6 @@
               </a:rPr>
               <a:t> Ochoa Sauceda</a:t>
             </a:r>
-            <a:endParaRPr lang="es-MX" sz="9600" dirty="0" smtClean="0">
-              <a:solidFill>
-                <a:srgbClr val="FF0000"/>
-              </a:solidFill>
-            </a:endParaRPr>
           </a:p>
           <a:p>
             <a:r>
@@ -3176,6 +3166,13 @@
   <p:clrMapOvr>
     <a:masterClrMapping/>
   </p:clrMapOvr>
+  <p:timing>
+    <p:tnLst>
+      <p:par>
+        <p:cTn id="1" dur="indefinite" restart="never" nodeType="tmRoot"/>
+      </p:par>
+    </p:tnLst>
+  </p:timing>
 </p:sld>
 </file>
 
@@ -4474,11 +4471,7 @@
           <a:p>
             <a:r>
               <a:rPr lang="es-MX" sz="1200" dirty="0" smtClean="0"/>
-              <a:t>Acudir directamente a </a:t>
-            </a:r>
-            <a:r>
-              <a:rPr lang="es-MX" sz="1200" dirty="0" smtClean="0"/>
-              <a:t>nuestra pagina de bienes raíces JC </a:t>
+              <a:t>Acudir directamente a nuestra pagina de bienes raíces JC </a:t>
             </a:r>
             <a:endParaRPr lang="es-MX" sz="1200" dirty="0"/>
           </a:p>
@@ -4493,14 +4486,14 @@
           <p:nvPr>
             <p:extLst>
               <p:ext uri="{D42A27DB-BD31-4B8C-83A1-F6EECF244321}">
-                <p14:modId xmlns:p14="http://schemas.microsoft.com/office/powerpoint/2010/main" val="4171386841"/>
+                <p14:modId xmlns:p14="http://schemas.microsoft.com/office/powerpoint/2010/main" val="3354711983"/>
               </p:ext>
             </p:extLst>
           </p:nvPr>
         </p:nvGraphicFramePr>
         <p:xfrm>
           <a:off x="3271344" y="704193"/>
-          <a:ext cx="1463566" cy="898634"/>
+          <a:ext cx="1463566" cy="1554480"/>
         </p:xfrm>
         <a:graphic>
           <a:graphicData uri="http://schemas.openxmlformats.org/drawingml/2006/table">
@@ -4521,7 +4514,15 @@
                     <a:bodyPr/>
                     <a:lstStyle/>
                     <a:p>
-                      <a:endParaRPr lang="es-MX" dirty="0"/>
+                      <a:r>
+                        <a:rPr lang="es-MX" sz="1200" dirty="0" smtClean="0"/>
+                        <a:t>Una</a:t>
+                      </a:r>
+                      <a:r>
+                        <a:rPr lang="es-MX" sz="1200" baseline="0" dirty="0" smtClean="0"/>
+                        <a:t> aplicación para móviles en donde con solo entrar y publicar una casa o departamento le recomienda a mucha gente la publicación </a:t>
+                      </a:r>
+                      <a:endParaRPr lang="es-MX" sz="1200" dirty="0"/>
                     </a:p>
                   </a:txBody>
                   <a:tcPr anchor="ctr">
@@ -4605,8 +4606,8 @@
         </p:nvSpPr>
         <p:spPr>
           <a:xfrm>
-            <a:off x="7407497" y="1168745"/>
-            <a:ext cx="1998277" cy="276999"/>
+            <a:off x="7407497" y="707080"/>
+            <a:ext cx="1998277" cy="1200329"/>
           </a:xfrm>
           <a:prstGeom prst="rect">
             <a:avLst/>
@@ -4626,7 +4627,17 @@
           </a:bodyPr>
           <a:lstStyle/>
           <a:p>
+            <a:r>
+              <a:rPr lang="es-MX" sz="1200" dirty="0" smtClean="0"/>
+              <a:t>Una ventaja seria que publica tu casa para encontrar un comprador rápidamente.</a:t>
+            </a:r>
             <a:endParaRPr lang="es-MX" sz="1200" dirty="0"/>
+          </a:p>
+          <a:p>
+            <a:r>
+              <a:rPr lang="es-MX" sz="1200" dirty="0" smtClean="0"/>
+              <a:t>Otra ventaja seria encontrar una casa rápidamente.</a:t>
+            </a:r>
           </a:p>
         </p:txBody>
       </p:sp>
@@ -4671,7 +4682,7 @@
         </p:nvSpPr>
         <p:spPr>
           <a:xfrm>
-            <a:off x="10163503" y="3063333"/>
+            <a:off x="10147737" y="2728865"/>
             <a:ext cx="1376858" cy="307777"/>
           </a:xfrm>
           <a:prstGeom prst="rect">
@@ -4709,8 +4720,8 @@
         </p:nvSpPr>
         <p:spPr>
           <a:xfrm>
-            <a:off x="10158249" y="3557017"/>
-            <a:ext cx="1329556" cy="276999"/>
+            <a:off x="10114897" y="3207791"/>
+            <a:ext cx="1329556" cy="1384995"/>
           </a:xfrm>
           <a:prstGeom prst="rect">
             <a:avLst/>
@@ -4730,6 +4741,16 @@
           </a:bodyPr>
           <a:lstStyle/>
           <a:p>
+            <a:r>
+              <a:rPr lang="es-MX" sz="1200" dirty="0" smtClean="0"/>
+              <a:t>Personas mayores de edad que buscan una casa o un departamento</a:t>
+            </a:r>
+          </a:p>
+          <a:p>
+            <a:r>
+              <a:rPr lang="es-MX" sz="1200" dirty="0" smtClean="0"/>
+              <a:t>Personas que quieren invertir en bienes raíces.</a:t>
+            </a:r>
             <a:endParaRPr lang="es-MX" sz="1200" dirty="0"/>
           </a:p>
         </p:txBody>
@@ -4742,8 +4763,8 @@
         </p:nvSpPr>
         <p:spPr>
           <a:xfrm>
-            <a:off x="7682078" y="3148425"/>
-            <a:ext cx="1723696" cy="276999"/>
+            <a:off x="7606865" y="2917593"/>
+            <a:ext cx="1723696" cy="646331"/>
           </a:xfrm>
           <a:prstGeom prst="rect">
             <a:avLst/>
@@ -4763,6 +4784,10 @@
           </a:bodyPr>
           <a:lstStyle/>
           <a:p>
+            <a:r>
+              <a:rPr lang="es-MX" sz="1200" dirty="0" smtClean="0"/>
+              <a:t>Una aplicación para móviles ios y Android con itunes y play store</a:t>
+            </a:r>
             <a:endParaRPr lang="es-MX" sz="1200" dirty="0"/>
           </a:p>
         </p:txBody>
@@ -4776,7 +4801,7 @@
         <p:spPr>
           <a:xfrm>
             <a:off x="3247693" y="3233851"/>
-            <a:ext cx="1460940" cy="276999"/>
+            <a:ext cx="1460940" cy="1200329"/>
           </a:xfrm>
           <a:prstGeom prst="rect">
             <a:avLst/>
@@ -4800,6 +4825,24 @@
               <a:buFont typeface="Arial" panose="020B0604020202020204" pitchFamily="34" charset="0"/>
               <a:buChar char="•"/>
             </a:pPr>
+            <a:r>
+              <a:rPr lang="es-MX" sz="1200" dirty="0" smtClean="0"/>
+              <a:t>La aplicación mas segura para buscar casas.</a:t>
+            </a:r>
+          </a:p>
+          <a:p>
+            <a:pPr marL="171450" indent="-171450">
+              <a:buFont typeface="Arial" panose="020B0604020202020204" pitchFamily="34" charset="0"/>
+              <a:buChar char="•"/>
+            </a:pPr>
+            <a:r>
+              <a:rPr lang="es-MX" sz="1200" dirty="0" smtClean="0"/>
+              <a:t>Pierdes </a:t>
+            </a:r>
+            <a:r>
+              <a:rPr lang="es-MX" sz="1200" dirty="0" smtClean="0"/>
+              <a:t>Menos tiempo para vender casas</a:t>
+            </a:r>
             <a:endParaRPr lang="es-MX" sz="1200" dirty="0"/>
           </a:p>
         </p:txBody>
@@ -4813,7 +4856,7 @@
         <p:spPr>
           <a:xfrm>
             <a:off x="951183" y="5191625"/>
-            <a:ext cx="1820921" cy="276999"/>
+            <a:ext cx="2475189" cy="830997"/>
           </a:xfrm>
           <a:prstGeom prst="rect">
             <a:avLst/>
@@ -4833,7 +4876,34 @@
           </a:bodyPr>
           <a:lstStyle/>
           <a:p>
-            <a:pPr marL="285750" indent="-285750">
+            <a:pPr marL="171450" indent="-171450">
+              <a:buFont typeface="Arial" panose="020B0604020202020204" pitchFamily="34" charset="0"/>
+              <a:buChar char="•"/>
+            </a:pPr>
+            <a:r>
+              <a:rPr lang="es-MX" sz="1200" dirty="0" smtClean="0"/>
+              <a:t>Marketing</a:t>
+            </a:r>
+          </a:p>
+          <a:p>
+            <a:pPr marL="171450" indent="-171450">
+              <a:buFont typeface="Arial" panose="020B0604020202020204" pitchFamily="34" charset="0"/>
+              <a:buChar char="•"/>
+            </a:pPr>
+            <a:r>
+              <a:rPr lang="es-MX" sz="1200" dirty="0" smtClean="0"/>
+              <a:t>Programadores</a:t>
+            </a:r>
+          </a:p>
+          <a:p>
+            <a:pPr marL="171450" indent="-171450">
+              <a:buFont typeface="Arial" panose="020B0604020202020204" pitchFamily="34" charset="0"/>
+              <a:buChar char="•"/>
+            </a:pPr>
+            <a:endParaRPr lang="es-MX" sz="1200" dirty="0" smtClean="0"/>
+          </a:p>
+          <a:p>
+            <a:pPr marL="171450" indent="-171450">
               <a:buFont typeface="Arial" panose="020B0604020202020204" pitchFamily="34" charset="0"/>
               <a:buChar char="•"/>
             </a:pPr>
@@ -4850,7 +4920,7 @@
         <p:spPr>
           <a:xfrm>
             <a:off x="6305222" y="5159391"/>
-            <a:ext cx="2238704" cy="276999"/>
+            <a:ext cx="3100552" cy="1015663"/>
           </a:xfrm>
           <a:prstGeom prst="rect">
             <a:avLst/>
@@ -4874,6 +4944,20 @@
               <a:buFont typeface="Arial" panose="020B0604020202020204" pitchFamily="34" charset="0"/>
               <a:buChar char="•"/>
             </a:pPr>
+            <a:r>
+              <a:rPr lang="es-MX" sz="1200" dirty="0" smtClean="0"/>
+              <a:t>Un flujo de ingresos serian los anuncios dentro de la aplicación.</a:t>
+            </a:r>
+          </a:p>
+          <a:p>
+            <a:pPr marL="171450" indent="-171450">
+              <a:buFont typeface="Arial" panose="020B0604020202020204" pitchFamily="34" charset="0"/>
+              <a:buChar char="•"/>
+            </a:pPr>
+            <a:r>
+              <a:rPr lang="es-MX" sz="1200" dirty="0" smtClean="0"/>
+              <a:t>Otro seria una suscripción para que los usuarios tengan varias ventajas para publicar una casa o un departamento.</a:t>
+            </a:r>
             <a:endParaRPr lang="es-MX" sz="1200" dirty="0"/>
           </a:p>
         </p:txBody>

--- a/JC.pptx
+++ b/JC.pptx
@@ -244,7 +244,7 @@
           <a:p>
             <a:fld id="{FEDB2B4C-DA28-410A-BE00-4AED541FE898}" type="datetimeFigureOut">
               <a:rPr lang="es-MX" smtClean="0"/>
-              <a:t>12/03/2024</a:t>
+              <a:t>19/03/2024</a:t>
             </a:fld>
             <a:endParaRPr lang="es-MX"/>
           </a:p>
@@ -414,7 +414,7 @@
           <a:p>
             <a:fld id="{FEDB2B4C-DA28-410A-BE00-4AED541FE898}" type="datetimeFigureOut">
               <a:rPr lang="es-MX" smtClean="0"/>
-              <a:t>12/03/2024</a:t>
+              <a:t>19/03/2024</a:t>
             </a:fld>
             <a:endParaRPr lang="es-MX"/>
           </a:p>
@@ -594,7 +594,7 @@
           <a:p>
             <a:fld id="{FEDB2B4C-DA28-410A-BE00-4AED541FE898}" type="datetimeFigureOut">
               <a:rPr lang="es-MX" smtClean="0"/>
-              <a:t>12/03/2024</a:t>
+              <a:t>19/03/2024</a:t>
             </a:fld>
             <a:endParaRPr lang="es-MX"/>
           </a:p>
@@ -764,7 +764,7 @@
           <a:p>
             <a:fld id="{FEDB2B4C-DA28-410A-BE00-4AED541FE898}" type="datetimeFigureOut">
               <a:rPr lang="es-MX" smtClean="0"/>
-              <a:t>12/03/2024</a:t>
+              <a:t>19/03/2024</a:t>
             </a:fld>
             <a:endParaRPr lang="es-MX"/>
           </a:p>
@@ -1010,7 +1010,7 @@
           <a:p>
             <a:fld id="{FEDB2B4C-DA28-410A-BE00-4AED541FE898}" type="datetimeFigureOut">
               <a:rPr lang="es-MX" smtClean="0"/>
-              <a:t>12/03/2024</a:t>
+              <a:t>19/03/2024</a:t>
             </a:fld>
             <a:endParaRPr lang="es-MX"/>
           </a:p>
@@ -1242,7 +1242,7 @@
           <a:p>
             <a:fld id="{FEDB2B4C-DA28-410A-BE00-4AED541FE898}" type="datetimeFigureOut">
               <a:rPr lang="es-MX" smtClean="0"/>
-              <a:t>12/03/2024</a:t>
+              <a:t>19/03/2024</a:t>
             </a:fld>
             <a:endParaRPr lang="es-MX"/>
           </a:p>
@@ -1609,7 +1609,7 @@
           <a:p>
             <a:fld id="{FEDB2B4C-DA28-410A-BE00-4AED541FE898}" type="datetimeFigureOut">
               <a:rPr lang="es-MX" smtClean="0"/>
-              <a:t>12/03/2024</a:t>
+              <a:t>19/03/2024</a:t>
             </a:fld>
             <a:endParaRPr lang="es-MX"/>
           </a:p>
@@ -1727,7 +1727,7 @@
           <a:p>
             <a:fld id="{FEDB2B4C-DA28-410A-BE00-4AED541FE898}" type="datetimeFigureOut">
               <a:rPr lang="es-MX" smtClean="0"/>
-              <a:t>12/03/2024</a:t>
+              <a:t>19/03/2024</a:t>
             </a:fld>
             <a:endParaRPr lang="es-MX"/>
           </a:p>
@@ -1822,7 +1822,7 @@
           <a:p>
             <a:fld id="{FEDB2B4C-DA28-410A-BE00-4AED541FE898}" type="datetimeFigureOut">
               <a:rPr lang="es-MX" smtClean="0"/>
-              <a:t>12/03/2024</a:t>
+              <a:t>19/03/2024</a:t>
             </a:fld>
             <a:endParaRPr lang="es-MX"/>
           </a:p>
@@ -2099,7 +2099,7 @@
           <a:p>
             <a:fld id="{FEDB2B4C-DA28-410A-BE00-4AED541FE898}" type="datetimeFigureOut">
               <a:rPr lang="es-MX" smtClean="0"/>
-              <a:t>12/03/2024</a:t>
+              <a:t>19/03/2024</a:t>
             </a:fld>
             <a:endParaRPr lang="es-MX"/>
           </a:p>
@@ -2352,7 +2352,7 @@
           <a:p>
             <a:fld id="{FEDB2B4C-DA28-410A-BE00-4AED541FE898}" type="datetimeFigureOut">
               <a:rPr lang="es-MX" smtClean="0"/>
-              <a:t>12/03/2024</a:t>
+              <a:t>19/03/2024</a:t>
             </a:fld>
             <a:endParaRPr lang="es-MX"/>
           </a:p>
@@ -2565,7 +2565,7 @@
           <a:p>
             <a:fld id="{FEDB2B4C-DA28-410A-BE00-4AED541FE898}" type="datetimeFigureOut">
               <a:rPr lang="es-MX" smtClean="0"/>
-              <a:t>12/03/2024</a:t>
+              <a:t>19/03/2024</a:t>
             </a:fld>
             <a:endParaRPr lang="es-MX"/>
           </a:p>
@@ -4418,7 +4418,10 @@
             <a:avLst/>
           </a:prstGeom>
           <a:solidFill>
-            <a:srgbClr val="F7D8FC"/>
+            <a:schemeClr val="accent1">
+              <a:lumMod val="60000"/>
+              <a:lumOff val="40000"/>
+            </a:schemeClr>
           </a:solidFill>
           <a:ln>
             <a:solidFill>
@@ -4455,7 +4458,10 @@
             <a:avLst/>
           </a:prstGeom>
           <a:solidFill>
-            <a:srgbClr val="F7D8FC"/>
+            <a:schemeClr val="accent1">
+              <a:lumMod val="60000"/>
+              <a:lumOff val="40000"/>
+            </a:schemeClr>
           </a:solidFill>
           <a:ln>
             <a:solidFill>
@@ -4486,7 +4492,7 @@
           <p:nvPr>
             <p:extLst>
               <p:ext uri="{D42A27DB-BD31-4B8C-83A1-F6EECF244321}">
-                <p14:modId xmlns:p14="http://schemas.microsoft.com/office/powerpoint/2010/main" val="3354711983"/>
+                <p14:modId xmlns:p14="http://schemas.microsoft.com/office/powerpoint/2010/main" val="158227154"/>
               </p:ext>
             </p:extLst>
           </p:nvPr>
@@ -4551,7 +4557,10 @@
                       <a:prstDash val="solid"/>
                     </a:lnB>
                     <a:solidFill>
-                      <a:srgbClr val="F7D8FC"/>
+                      <a:schemeClr val="accent1">
+                        <a:lumMod val="60000"/>
+                        <a:lumOff val="40000"/>
+                      </a:schemeClr>
                     </a:solidFill>
                   </a:tcPr>
                 </a:tc>
@@ -4573,14 +4582,17 @@
         </p:nvSpPr>
         <p:spPr>
           <a:xfrm>
-            <a:off x="5327101" y="1594237"/>
-            <a:ext cx="1658337" cy="276999"/>
+            <a:off x="5306246" y="1630410"/>
+            <a:ext cx="1658337" cy="830997"/>
           </a:xfrm>
           <a:prstGeom prst="rect">
             <a:avLst/>
           </a:prstGeom>
           <a:solidFill>
-            <a:srgbClr val="F7D8FC"/>
+            <a:schemeClr val="accent1">
+              <a:lumMod val="60000"/>
+              <a:lumOff val="40000"/>
+            </a:schemeClr>
           </a:solidFill>
           <a:ln>
             <a:solidFill>
@@ -4594,7 +4606,16 @@
           </a:bodyPr>
           <a:lstStyle/>
           <a:p>
-            <a:endParaRPr lang="es-MX" sz="1200" dirty="0"/>
+            <a:r>
+              <a:rPr lang="es-MX" sz="1200" dirty="0" smtClean="0"/>
+              <a:t>Facilidad de encontrar casa</a:t>
+            </a:r>
+          </a:p>
+          <a:p>
+            <a:r>
+              <a:rPr lang="es-MX" sz="1200" dirty="0" smtClean="0"/>
+              <a:t>Facilidad de vender o invertir en casa</a:t>
+            </a:r>
           </a:p>
         </p:txBody>
       </p:sp>
@@ -4613,7 +4634,10 @@
             <a:avLst/>
           </a:prstGeom>
           <a:solidFill>
-            <a:srgbClr val="F7D8FC"/>
+            <a:schemeClr val="accent1">
+              <a:lumMod val="60000"/>
+              <a:lumOff val="40000"/>
+            </a:schemeClr>
           </a:solidFill>
           <a:ln>
             <a:solidFill>
@@ -4650,13 +4674,16 @@
         <p:spPr>
           <a:xfrm>
             <a:off x="9973662" y="1066120"/>
-            <a:ext cx="1430719" cy="276999"/>
+            <a:ext cx="1430719" cy="830997"/>
           </a:xfrm>
           <a:prstGeom prst="rect">
             <a:avLst/>
           </a:prstGeom>
           <a:solidFill>
-            <a:srgbClr val="F7D8FC"/>
+            <a:schemeClr val="accent1">
+              <a:lumMod val="60000"/>
+              <a:lumOff val="40000"/>
+            </a:schemeClr>
           </a:solidFill>
           <a:ln>
             <a:solidFill>
@@ -4670,6 +4697,10 @@
           </a:bodyPr>
           <a:lstStyle/>
           <a:p>
+            <a:r>
+              <a:rPr lang="es-MX" sz="1200" dirty="0" smtClean="0"/>
+              <a:t>Adultos que piensen comprar una casa, o piensen invertir en una</a:t>
+            </a:r>
             <a:endParaRPr lang="es-MX" sz="1200" dirty="0"/>
           </a:p>
         </p:txBody>
@@ -4727,7 +4758,10 @@
             <a:avLst/>
           </a:prstGeom>
           <a:solidFill>
-            <a:srgbClr val="F7D8FC"/>
+            <a:schemeClr val="accent1">
+              <a:lumMod val="60000"/>
+              <a:lumOff val="40000"/>
+            </a:schemeClr>
           </a:solidFill>
           <a:ln>
             <a:solidFill>
@@ -4770,7 +4804,10 @@
             <a:avLst/>
           </a:prstGeom>
           <a:solidFill>
-            <a:srgbClr val="F7D8FC"/>
+            <a:schemeClr val="accent1">
+              <a:lumMod val="60000"/>
+              <a:lumOff val="40000"/>
+            </a:schemeClr>
           </a:solidFill>
           <a:ln>
             <a:solidFill>
@@ -4807,7 +4844,10 @@
             <a:avLst/>
           </a:prstGeom>
           <a:solidFill>
-            <a:srgbClr val="F7D8FC"/>
+            <a:schemeClr val="accent1">
+              <a:lumMod val="60000"/>
+              <a:lumOff val="40000"/>
+            </a:schemeClr>
           </a:solidFill>
           <a:ln>
             <a:solidFill>
@@ -4837,11 +4877,7 @@
             </a:pPr>
             <a:r>
               <a:rPr lang="es-MX" sz="1200" dirty="0" smtClean="0"/>
-              <a:t>Pierdes </a:t>
-            </a:r>
-            <a:r>
-              <a:rPr lang="es-MX" sz="1200" dirty="0" smtClean="0"/>
-              <a:t>Menos tiempo para vender casas</a:t>
+              <a:t>Pierdes Menos tiempo para vender casas</a:t>
             </a:r>
             <a:endParaRPr lang="es-MX" sz="1200" dirty="0"/>
           </a:p>
@@ -4856,13 +4892,16 @@
         <p:spPr>
           <a:xfrm>
             <a:off x="951183" y="5191625"/>
-            <a:ext cx="2475189" cy="830997"/>
+            <a:ext cx="2475189" cy="1200329"/>
           </a:xfrm>
           <a:prstGeom prst="rect">
             <a:avLst/>
           </a:prstGeom>
           <a:solidFill>
-            <a:srgbClr val="F7D8FC"/>
+            <a:schemeClr val="accent1">
+              <a:lumMod val="60000"/>
+              <a:lumOff val="40000"/>
+            </a:schemeClr>
           </a:solidFill>
           <a:ln>
             <a:solidFill>
@@ -4894,6 +4933,27 @@
               <a:rPr lang="es-MX" sz="1200" dirty="0" smtClean="0"/>
               <a:t>Programadores</a:t>
             </a:r>
+          </a:p>
+          <a:p>
+            <a:pPr marL="171450" indent="-171450">
+              <a:buFont typeface="Arial" panose="020B0604020202020204" pitchFamily="34" charset="0"/>
+              <a:buChar char="•"/>
+            </a:pPr>
+            <a:r>
+              <a:rPr lang="es-MX" sz="1200" dirty="0" smtClean="0"/>
+              <a:t>Pagina web</a:t>
+            </a:r>
+          </a:p>
+          <a:p>
+            <a:pPr marL="171450" indent="-171450">
+              <a:buFont typeface="Arial" panose="020B0604020202020204" pitchFamily="34" charset="0"/>
+              <a:buChar char="•"/>
+            </a:pPr>
+            <a:r>
+              <a:rPr lang="es-MX" sz="1200" dirty="0" smtClean="0"/>
+              <a:t>Promocionar pagina</a:t>
+            </a:r>
+            <a:endParaRPr lang="es-MX" sz="1200" dirty="0" smtClean="0"/>
           </a:p>
           <a:p>
             <a:pPr marL="171450" indent="-171450">
@@ -4926,7 +4986,10 @@
             <a:avLst/>
           </a:prstGeom>
           <a:solidFill>
-            <a:srgbClr val="F7D8FC"/>
+            <a:schemeClr val="accent1">
+              <a:lumMod val="60000"/>
+              <a:lumOff val="40000"/>
+            </a:schemeClr>
           </a:solidFill>
           <a:ln>
             <a:solidFill>
